--- a/pdf/Group22_Software Testing Presentation.pptx
+++ b/pdf/Group22_Software Testing Presentation.pptx
@@ -6600,7 +6600,7 @@
             </a:pPr>
             <a:r>
               <a:rPr lang="en" sz="1800"/>
-              <a:t>Aliaksandra Kupreyeva,</a:t>
+              <a:t>Aliaksandra Kupreyeva</a:t>
             </a:r>
             <a:endParaRPr sz="1800"/>
           </a:p>
@@ -6616,7 +6616,7 @@
             </a:pPr>
             <a:r>
               <a:rPr lang="en" sz="1800"/>
-              <a:t> Anton Gildebrand, </a:t>
+              <a:t> Anton Gildebrand</a:t>
             </a:r>
             <a:endParaRPr sz="1800"/>
           </a:p>
@@ -6632,7 +6632,7 @@
             </a:pPr>
             <a:r>
               <a:rPr lang="en" sz="1800"/>
-              <a:t>Egemen Yiğit Kömürcü,</a:t>
+              <a:t>Egemen Yiğit Kömürcü</a:t>
             </a:r>
             <a:endParaRPr sz="1800"/>
           </a:p>
@@ -6648,7 +6648,7 @@
             </a:pPr>
             <a:r>
               <a:rPr lang="en" sz="1800"/>
-              <a:t> Sotirios Chatzigeorgiou, </a:t>
+              <a:t> Sotirios Chatzigeorgiou </a:t>
             </a:r>
             <a:endParaRPr sz="1800"/>
           </a:p>
